--- a/Cranium.pptx
+++ b/Cranium.pptx
@@ -117,6 +117,11 @@
       </a:defRPr>
     </a:lvl9pPr>
   </p:defaultTextStyle>
+  <p:extLst>
+    <p:ext uri="{EFAFB233-063F-42B5-8137-9DF3F51BA10A}">
+      <p15:sldGuideLst xmlns:p15="http://schemas.microsoft.com/office/powerpoint/2012/main"/>
+    </p:ext>
+  </p:extLst>
 </p:presentation>
 </file>
 
@@ -176,7 +181,7 @@
           </a:lstStyle>
           <a:p>
             <a:r>
-              <a:rPr lang="en-US" smtClean="0"/>
+              <a:rPr lang="en-US"/>
               <a:t>Click to edit Master title style</a:t>
             </a:r>
             <a:endParaRPr lang="en-US" dirty="0"/>
@@ -252,7 +257,7 @@
           </a:lstStyle>
           <a:p>
             <a:r>
-              <a:rPr lang="en-US" smtClean="0"/>
+              <a:rPr lang="en-US"/>
               <a:t>Click to edit Master subtitle style</a:t>
             </a:r>
             <a:endParaRPr lang="en-US" dirty="0"/>
@@ -289,7 +294,7 @@
           <a:p>
             <a:fld id="{72055A6F-1B1F-4A9C-9219-B4F4C7E3714C}" type="datetimeFigureOut">
               <a:rPr lang="en-US" smtClean="0"/>
-              <a:t>4/8/2017</a:t>
+              <a:t>4/9/2017</a:t>
             </a:fld>
             <a:endParaRPr lang="en-US"/>
           </a:p>
@@ -538,7 +543,7 @@
           <a:lstStyle/>
           <a:p>
             <a:r>
-              <a:rPr lang="en-US" smtClean="0"/>
+              <a:rPr lang="en-US"/>
               <a:t>Click to edit Master title style</a:t>
             </a:r>
             <a:endParaRPr lang="en-US" dirty="0"/>
@@ -567,35 +572,35 @@
           <a:p>
             <a:pPr lvl="0"/>
             <a:r>
-              <a:rPr lang="en-US" smtClean="0"/>
+              <a:rPr lang="en-US"/>
               <a:t>Click to edit Master text styles</a:t>
             </a:r>
           </a:p>
           <a:p>
             <a:pPr lvl="1"/>
             <a:r>
-              <a:rPr lang="en-US" smtClean="0"/>
+              <a:rPr lang="en-US"/>
               <a:t>Second level</a:t>
             </a:r>
           </a:p>
           <a:p>
             <a:pPr lvl="2"/>
             <a:r>
-              <a:rPr lang="en-US" smtClean="0"/>
+              <a:rPr lang="en-US"/>
               <a:t>Third level</a:t>
             </a:r>
           </a:p>
           <a:p>
             <a:pPr lvl="3"/>
             <a:r>
-              <a:rPr lang="en-US" smtClean="0"/>
+              <a:rPr lang="en-US"/>
               <a:t>Fourth level</a:t>
             </a:r>
           </a:p>
           <a:p>
             <a:pPr lvl="4"/>
             <a:r>
-              <a:rPr lang="en-US" smtClean="0"/>
+              <a:rPr lang="en-US"/>
               <a:t>Fifth level</a:t>
             </a:r>
             <a:endParaRPr lang="en-US" dirty="0"/>
@@ -619,7 +624,7 @@
           <a:p>
             <a:fld id="{72055A6F-1B1F-4A9C-9219-B4F4C7E3714C}" type="datetimeFigureOut">
               <a:rPr lang="en-US" smtClean="0"/>
-              <a:t>4/8/2017</a:t>
+              <a:t>4/9/2017</a:t>
             </a:fld>
             <a:endParaRPr lang="en-US"/>
           </a:p>
@@ -718,7 +723,7 @@
           <a:lstStyle/>
           <a:p>
             <a:r>
-              <a:rPr lang="en-US" smtClean="0"/>
+              <a:rPr lang="en-US"/>
               <a:t>Click to edit Master title style</a:t>
             </a:r>
             <a:endParaRPr lang="en-US" dirty="0"/>
@@ -747,35 +752,35 @@
           <a:p>
             <a:pPr lvl="0"/>
             <a:r>
-              <a:rPr lang="en-US" smtClean="0"/>
+              <a:rPr lang="en-US"/>
               <a:t>Click to edit Master text styles</a:t>
             </a:r>
           </a:p>
           <a:p>
             <a:pPr lvl="1"/>
             <a:r>
-              <a:rPr lang="en-US" smtClean="0"/>
+              <a:rPr lang="en-US"/>
               <a:t>Second level</a:t>
             </a:r>
           </a:p>
           <a:p>
             <a:pPr lvl="2"/>
             <a:r>
-              <a:rPr lang="en-US" smtClean="0"/>
+              <a:rPr lang="en-US"/>
               <a:t>Third level</a:t>
             </a:r>
           </a:p>
           <a:p>
             <a:pPr lvl="3"/>
             <a:r>
-              <a:rPr lang="en-US" smtClean="0"/>
+              <a:rPr lang="en-US"/>
               <a:t>Fourth level</a:t>
             </a:r>
           </a:p>
           <a:p>
             <a:pPr lvl="4"/>
             <a:r>
-              <a:rPr lang="en-US" smtClean="0"/>
+              <a:rPr lang="en-US"/>
               <a:t>Fifth level</a:t>
             </a:r>
             <a:endParaRPr lang="en-US" dirty="0"/>
@@ -799,7 +804,7 @@
           <a:p>
             <a:fld id="{72055A6F-1B1F-4A9C-9219-B4F4C7E3714C}" type="datetimeFigureOut">
               <a:rPr lang="en-US" smtClean="0"/>
-              <a:t>4/8/2017</a:t>
+              <a:t>4/9/2017</a:t>
             </a:fld>
             <a:endParaRPr lang="en-US"/>
           </a:p>
@@ -893,7 +898,7 @@
           <a:lstStyle/>
           <a:p>
             <a:r>
-              <a:rPr lang="en-US" smtClean="0"/>
+              <a:rPr lang="en-US"/>
               <a:t>Click to edit Master title style</a:t>
             </a:r>
             <a:endParaRPr lang="en-US" dirty="0"/>
@@ -917,35 +922,35 @@
           <a:p>
             <a:pPr lvl="0"/>
             <a:r>
-              <a:rPr lang="en-US" smtClean="0"/>
+              <a:rPr lang="en-US"/>
               <a:t>Click to edit Master text styles</a:t>
             </a:r>
           </a:p>
           <a:p>
             <a:pPr lvl="1"/>
             <a:r>
-              <a:rPr lang="en-US" smtClean="0"/>
+              <a:rPr lang="en-US"/>
               <a:t>Second level</a:t>
             </a:r>
           </a:p>
           <a:p>
             <a:pPr lvl="2"/>
             <a:r>
-              <a:rPr lang="en-US" smtClean="0"/>
+              <a:rPr lang="en-US"/>
               <a:t>Third level</a:t>
             </a:r>
           </a:p>
           <a:p>
             <a:pPr lvl="3"/>
             <a:r>
-              <a:rPr lang="en-US" smtClean="0"/>
+              <a:rPr lang="en-US"/>
               <a:t>Fourth level</a:t>
             </a:r>
           </a:p>
           <a:p>
             <a:pPr lvl="4"/>
             <a:r>
-              <a:rPr lang="en-US" smtClean="0"/>
+              <a:rPr lang="en-US"/>
               <a:t>Fifth level</a:t>
             </a:r>
             <a:endParaRPr lang="en-US" dirty="0"/>
@@ -969,7 +974,7 @@
           <a:p>
             <a:fld id="{72055A6F-1B1F-4A9C-9219-B4F4C7E3714C}" type="datetimeFigureOut">
               <a:rPr lang="en-US" smtClean="0"/>
-              <a:t>4/8/2017</a:t>
+              <a:t>4/9/2017</a:t>
             </a:fld>
             <a:endParaRPr lang="en-US"/>
           </a:p>
@@ -1083,7 +1088,7 @@
           </a:lstStyle>
           <a:p>
             <a:r>
-              <a:rPr lang="en-US" smtClean="0"/>
+              <a:rPr lang="en-US"/>
               <a:t>Click to edit Master title style</a:t>
             </a:r>
             <a:endParaRPr lang="en-US" dirty="0"/>
@@ -1210,7 +1215,7 @@
           <a:p>
             <a:pPr lvl="0"/>
             <a:r>
-              <a:rPr lang="en-US" smtClean="0"/>
+              <a:rPr lang="en-US"/>
               <a:t>Click to edit Master text styles</a:t>
             </a:r>
           </a:p>
@@ -1246,7 +1251,7 @@
           <a:p>
             <a:fld id="{72055A6F-1B1F-4A9C-9219-B4F4C7E3714C}" type="datetimeFigureOut">
               <a:rPr lang="en-US" smtClean="0"/>
-              <a:t>4/8/2017</a:t>
+              <a:t>4/9/2017</a:t>
             </a:fld>
             <a:endParaRPr lang="en-US"/>
           </a:p>
@@ -1430,7 +1435,7 @@
           </a:lstStyle>
           <a:p>
             <a:r>
-              <a:rPr lang="en-US" smtClean="0"/>
+              <a:rPr lang="en-US"/>
               <a:t>Click to edit Master title style</a:t>
             </a:r>
             <a:endParaRPr lang="en-US" dirty="0"/>
@@ -1495,35 +1500,35 @@
           <a:p>
             <a:pPr lvl="0"/>
             <a:r>
-              <a:rPr lang="en-US" smtClean="0"/>
+              <a:rPr lang="en-US"/>
               <a:t>Click to edit Master text styles</a:t>
             </a:r>
           </a:p>
           <a:p>
             <a:pPr lvl="1"/>
             <a:r>
-              <a:rPr lang="en-US" smtClean="0"/>
+              <a:rPr lang="en-US"/>
               <a:t>Second level</a:t>
             </a:r>
           </a:p>
           <a:p>
             <a:pPr lvl="2"/>
             <a:r>
-              <a:rPr lang="en-US" smtClean="0"/>
+              <a:rPr lang="en-US"/>
               <a:t>Third level</a:t>
             </a:r>
           </a:p>
           <a:p>
             <a:pPr lvl="3"/>
             <a:r>
-              <a:rPr lang="en-US" smtClean="0"/>
+              <a:rPr lang="en-US"/>
               <a:t>Fourth level</a:t>
             </a:r>
           </a:p>
           <a:p>
             <a:pPr lvl="4"/>
             <a:r>
-              <a:rPr lang="en-US" smtClean="0"/>
+              <a:rPr lang="en-US"/>
               <a:t>Fifth level</a:t>
             </a:r>
             <a:endParaRPr lang="en-US" dirty="0"/>
@@ -1588,35 +1593,35 @@
           <a:p>
             <a:pPr lvl="0"/>
             <a:r>
-              <a:rPr lang="en-US" smtClean="0"/>
+              <a:rPr lang="en-US"/>
               <a:t>Click to edit Master text styles</a:t>
             </a:r>
           </a:p>
           <a:p>
             <a:pPr lvl="1"/>
             <a:r>
-              <a:rPr lang="en-US" smtClean="0"/>
+              <a:rPr lang="en-US"/>
               <a:t>Second level</a:t>
             </a:r>
           </a:p>
           <a:p>
             <a:pPr lvl="2"/>
             <a:r>
-              <a:rPr lang="en-US" smtClean="0"/>
+              <a:rPr lang="en-US"/>
               <a:t>Third level</a:t>
             </a:r>
           </a:p>
           <a:p>
             <a:pPr lvl="3"/>
             <a:r>
-              <a:rPr lang="en-US" smtClean="0"/>
+              <a:rPr lang="en-US"/>
               <a:t>Fourth level</a:t>
             </a:r>
           </a:p>
           <a:p>
             <a:pPr lvl="4"/>
             <a:r>
-              <a:rPr lang="en-US" smtClean="0"/>
+              <a:rPr lang="en-US"/>
               <a:t>Fifth level</a:t>
             </a:r>
             <a:endParaRPr lang="en-US" dirty="0"/>
@@ -1640,7 +1645,7 @@
           <a:p>
             <a:fld id="{72055A6F-1B1F-4A9C-9219-B4F4C7E3714C}" type="datetimeFigureOut">
               <a:rPr lang="en-US" smtClean="0"/>
-              <a:t>4/8/2017</a:t>
+              <a:t>4/9/2017</a:t>
             </a:fld>
             <a:endParaRPr lang="en-US"/>
           </a:p>
@@ -1747,7 +1752,7 @@
           </a:lstStyle>
           <a:p>
             <a:r>
-              <a:rPr lang="en-US" smtClean="0"/>
+              <a:rPr lang="en-US"/>
               <a:t>Click to edit Master title style</a:t>
             </a:r>
             <a:endParaRPr lang="en-US" dirty="0"/>
@@ -1828,7 +1833,7 @@
           <a:p>
             <a:pPr lvl="0"/>
             <a:r>
-              <a:rPr lang="en-US" smtClean="0"/>
+              <a:rPr lang="en-US"/>
               <a:t>Click to edit Master text styles</a:t>
             </a:r>
           </a:p>
@@ -1892,35 +1897,35 @@
           <a:p>
             <a:pPr lvl="0"/>
             <a:r>
-              <a:rPr lang="en-US" smtClean="0"/>
+              <a:rPr lang="en-US"/>
               <a:t>Click to edit Master text styles</a:t>
             </a:r>
           </a:p>
           <a:p>
             <a:pPr lvl="1"/>
             <a:r>
-              <a:rPr lang="en-US" smtClean="0"/>
+              <a:rPr lang="en-US"/>
               <a:t>Second level</a:t>
             </a:r>
           </a:p>
           <a:p>
             <a:pPr lvl="2"/>
             <a:r>
-              <a:rPr lang="en-US" smtClean="0"/>
+              <a:rPr lang="en-US"/>
               <a:t>Third level</a:t>
             </a:r>
           </a:p>
           <a:p>
             <a:pPr lvl="3"/>
             <a:r>
-              <a:rPr lang="en-US" smtClean="0"/>
+              <a:rPr lang="en-US"/>
               <a:t>Fourth level</a:t>
             </a:r>
           </a:p>
           <a:p>
             <a:pPr lvl="4"/>
             <a:r>
-              <a:rPr lang="en-US" smtClean="0"/>
+              <a:rPr lang="en-US"/>
               <a:t>Fifth level</a:t>
             </a:r>
             <a:endParaRPr lang="en-US" dirty="0"/>
@@ -2001,7 +2006,7 @@
           <a:p>
             <a:pPr lvl="0"/>
             <a:r>
-              <a:rPr lang="en-US" smtClean="0"/>
+              <a:rPr lang="en-US"/>
               <a:t>Click to edit Master text styles</a:t>
             </a:r>
           </a:p>
@@ -2065,35 +2070,35 @@
           <a:p>
             <a:pPr lvl="0"/>
             <a:r>
-              <a:rPr lang="en-US" smtClean="0"/>
+              <a:rPr lang="en-US"/>
               <a:t>Click to edit Master text styles</a:t>
             </a:r>
           </a:p>
           <a:p>
             <a:pPr lvl="1"/>
             <a:r>
-              <a:rPr lang="en-US" smtClean="0"/>
+              <a:rPr lang="en-US"/>
               <a:t>Second level</a:t>
             </a:r>
           </a:p>
           <a:p>
             <a:pPr lvl="2"/>
             <a:r>
-              <a:rPr lang="en-US" smtClean="0"/>
+              <a:rPr lang="en-US"/>
               <a:t>Third level</a:t>
             </a:r>
           </a:p>
           <a:p>
             <a:pPr lvl="3"/>
             <a:r>
-              <a:rPr lang="en-US" smtClean="0"/>
+              <a:rPr lang="en-US"/>
               <a:t>Fourth level</a:t>
             </a:r>
           </a:p>
           <a:p>
             <a:pPr lvl="4"/>
             <a:r>
-              <a:rPr lang="en-US" smtClean="0"/>
+              <a:rPr lang="en-US"/>
               <a:t>Fifth level</a:t>
             </a:r>
             <a:endParaRPr lang="en-US" dirty="0"/>
@@ -2117,7 +2122,7 @@
           <a:p>
             <a:fld id="{72055A6F-1B1F-4A9C-9219-B4F4C7E3714C}" type="datetimeFigureOut">
               <a:rPr lang="en-US" smtClean="0"/>
-              <a:t>4/8/2017</a:t>
+              <a:t>4/9/2017</a:t>
             </a:fld>
             <a:endParaRPr lang="en-US"/>
           </a:p>
@@ -2211,7 +2216,7 @@
           <a:lstStyle/>
           <a:p>
             <a:r>
-              <a:rPr lang="en-US" smtClean="0"/>
+              <a:rPr lang="en-US"/>
               <a:t>Click to edit Master title style</a:t>
             </a:r>
             <a:endParaRPr lang="en-US" dirty="0"/>
@@ -2235,7 +2240,7 @@
           <a:p>
             <a:fld id="{72055A6F-1B1F-4A9C-9219-B4F4C7E3714C}" type="datetimeFigureOut">
               <a:rPr lang="en-US" smtClean="0"/>
-              <a:t>4/8/2017</a:t>
+              <a:t>4/9/2017</a:t>
             </a:fld>
             <a:endParaRPr lang="en-US"/>
           </a:p>
@@ -2330,7 +2335,7 @@
           <a:p>
             <a:fld id="{72055A6F-1B1F-4A9C-9219-B4F4C7E3714C}" type="datetimeFigureOut">
               <a:rPr lang="en-US" smtClean="0"/>
-              <a:t>4/8/2017</a:t>
+              <a:t>4/9/2017</a:t>
             </a:fld>
             <a:endParaRPr lang="en-US"/>
           </a:p>
@@ -2480,7 +2485,7 @@
           </a:lstStyle>
           <a:p>
             <a:r>
-              <a:rPr lang="en-US" smtClean="0"/>
+              <a:rPr lang="en-US"/>
               <a:t>Click to edit Master title style</a:t>
             </a:r>
             <a:endParaRPr lang="en-US" dirty="0"/>
@@ -2537,35 +2542,35 @@
           <a:p>
             <a:pPr lvl="0"/>
             <a:r>
-              <a:rPr lang="en-US" smtClean="0"/>
+              <a:rPr lang="en-US"/>
               <a:t>Click to edit Master text styles</a:t>
             </a:r>
           </a:p>
           <a:p>
             <a:pPr lvl="1"/>
             <a:r>
-              <a:rPr lang="en-US" smtClean="0"/>
+              <a:rPr lang="en-US"/>
               <a:t>Second level</a:t>
             </a:r>
           </a:p>
           <a:p>
             <a:pPr lvl="2"/>
             <a:r>
-              <a:rPr lang="en-US" smtClean="0"/>
+              <a:rPr lang="en-US"/>
               <a:t>Third level</a:t>
             </a:r>
           </a:p>
           <a:p>
             <a:pPr lvl="3"/>
             <a:r>
-              <a:rPr lang="en-US" smtClean="0"/>
+              <a:rPr lang="en-US"/>
               <a:t>Fourth level</a:t>
             </a:r>
           </a:p>
           <a:p>
             <a:pPr lvl="4"/>
             <a:r>
-              <a:rPr lang="en-US" smtClean="0"/>
+              <a:rPr lang="en-US"/>
               <a:t>Fifth level</a:t>
             </a:r>
             <a:endParaRPr lang="en-US" dirty="0"/>
@@ -2640,7 +2645,7 @@
           <a:p>
             <a:pPr lvl="0"/>
             <a:r>
-              <a:rPr lang="en-US" smtClean="0"/>
+              <a:rPr lang="en-US"/>
               <a:t>Click to edit Master text styles</a:t>
             </a:r>
           </a:p>
@@ -2676,7 +2681,7 @@
           <a:p>
             <a:fld id="{72055A6F-1B1F-4A9C-9219-B4F4C7E3714C}" type="datetimeFigureOut">
               <a:rPr lang="en-US" smtClean="0"/>
-              <a:t>4/8/2017</a:t>
+              <a:t>4/9/2017</a:t>
             </a:fld>
             <a:endParaRPr lang="en-US"/>
           </a:p>
@@ -2886,7 +2891,7 @@
           </a:lstStyle>
           <a:p>
             <a:r>
-              <a:rPr lang="en-US" smtClean="0"/>
+              <a:rPr lang="en-US"/>
               <a:t>Click to edit Master title style</a:t>
             </a:r>
             <a:endParaRPr lang="en-US" dirty="0"/>
@@ -2953,7 +2958,7 @@
           </a:lstStyle>
           <a:p>
             <a:r>
-              <a:rPr lang="en-US" smtClean="0"/>
+              <a:rPr lang="en-US"/>
               <a:t>Click icon to add picture</a:t>
             </a:r>
             <a:endParaRPr lang="en-US" dirty="0"/>
@@ -3028,7 +3033,7 @@
           <a:p>
             <a:pPr lvl="0"/>
             <a:r>
-              <a:rPr lang="en-US" smtClean="0"/>
+              <a:rPr lang="en-US"/>
               <a:t>Click to edit Master text styles</a:t>
             </a:r>
           </a:p>
@@ -3064,7 +3069,7 @@
           <a:p>
             <a:fld id="{72055A6F-1B1F-4A9C-9219-B4F4C7E3714C}" type="datetimeFigureOut">
               <a:rPr lang="en-US" smtClean="0"/>
-              <a:t>4/8/2017</a:t>
+              <a:t>4/9/2017</a:t>
             </a:fld>
             <a:endParaRPr lang="en-US"/>
           </a:p>
@@ -3240,7 +3245,7 @@
           <a:lstStyle/>
           <a:p>
             <a:r>
-              <a:rPr lang="en-US" smtClean="0"/>
+              <a:rPr lang="en-US"/>
               <a:t>Click to edit Master title style</a:t>
             </a:r>
             <a:endParaRPr lang="en-US" dirty="0"/>
@@ -3274,35 +3279,35 @@
           <a:p>
             <a:pPr lvl="0"/>
             <a:r>
-              <a:rPr lang="en-US" smtClean="0"/>
+              <a:rPr lang="en-US"/>
               <a:t>Click to edit Master text styles</a:t>
             </a:r>
           </a:p>
           <a:p>
             <a:pPr lvl="1"/>
             <a:r>
-              <a:rPr lang="en-US" smtClean="0"/>
+              <a:rPr lang="en-US"/>
               <a:t>Second level</a:t>
             </a:r>
           </a:p>
           <a:p>
             <a:pPr lvl="2"/>
             <a:r>
-              <a:rPr lang="en-US" smtClean="0"/>
+              <a:rPr lang="en-US"/>
               <a:t>Third level</a:t>
             </a:r>
           </a:p>
           <a:p>
             <a:pPr lvl="3"/>
             <a:r>
-              <a:rPr lang="en-US" smtClean="0"/>
+              <a:rPr lang="en-US"/>
               <a:t>Fourth level</a:t>
             </a:r>
           </a:p>
           <a:p>
             <a:pPr lvl="4"/>
             <a:r>
-              <a:rPr lang="en-US" smtClean="0"/>
+              <a:rPr lang="en-US"/>
               <a:t>Fifth level</a:t>
             </a:r>
             <a:endParaRPr lang="en-US" dirty="0"/>
@@ -3342,7 +3347,7 @@
           <a:p>
             <a:fld id="{72055A6F-1B1F-4A9C-9219-B4F4C7E3714C}" type="datetimeFigureOut">
               <a:rPr lang="en-US" smtClean="0"/>
-              <a:t>4/8/2017</a:t>
+              <a:t>4/9/2017</a:t>
             </a:fld>
             <a:endParaRPr lang="en-US"/>
           </a:p>
@@ -3791,42 +3796,42 @@
   <p:extLst mod="1">
     <p:ext uri="{27BBF7A9-308A-43DC-89C8-2F10F3537804}">
       <p15:sldGuideLst xmlns:p15="http://schemas.microsoft.com/office/powerpoint/2012/main">
-        <p15:guide id="4294967295" orient="horz" pos="1368">
+        <p15:guide id="1" orient="horz" pos="1368">
           <p15:clr>
             <a:srgbClr val="F26B43"/>
           </p15:clr>
         </p15:guide>
-        <p15:guide id="4294967295" orient="horz" pos="1440">
+        <p15:guide id="2" orient="horz" pos="1440">
           <p15:clr>
             <a:srgbClr val="F26B43"/>
           </p15:clr>
         </p15:guide>
-        <p15:guide id="4294967295" orient="horz" pos="3696">
+        <p15:guide id="3" orient="horz" pos="3696">
           <p15:clr>
             <a:srgbClr val="F26B43"/>
           </p15:clr>
         </p15:guide>
-        <p15:guide id="4294967295" orient="horz" pos="432">
+        <p15:guide id="4" orient="horz" pos="432">
           <p15:clr>
             <a:srgbClr val="F26B43"/>
           </p15:clr>
         </p15:guide>
-        <p15:guide id="4294967295" orient="horz" pos="1512">
+        <p15:guide id="5" orient="horz" pos="1512">
           <p15:clr>
             <a:srgbClr val="F26B43"/>
           </p15:clr>
         </p15:guide>
-        <p15:guide id="4294967295" pos="6912">
+        <p15:guide id="6" pos="6912">
           <p15:clr>
             <a:srgbClr val="F26B43"/>
           </p15:clr>
         </p15:guide>
-        <p15:guide id="4294967295" pos="936">
+        <p15:guide id="7" pos="936">
           <p15:clr>
             <a:srgbClr val="F26B43"/>
           </p15:clr>
         </p15:guide>
-        <p15:guide id="4294967295" pos="864">
+        <p15:guide id="8" pos="864">
           <p15:clr>
             <a:srgbClr val="F26B43"/>
           </p15:clr>
@@ -3870,10 +3875,9 @@
           <a:lstStyle/>
           <a:p>
             <a:r>
-              <a:rPr lang="en-US" dirty="0" smtClean="0"/>
+              <a:rPr lang="en-US" dirty="0"/>
               <a:t>Cranium</a:t>
             </a:r>
-            <a:endParaRPr lang="en-US" dirty="0"/>
           </a:p>
         </p:txBody>
       </p:sp>
@@ -3895,47 +3899,39 @@
           <a:lstStyle/>
           <a:p>
             <a:r>
-              <a:rPr lang="en-US" dirty="0" err="1" smtClean="0"/>
-              <a:t>Baian</a:t>
-            </a:r>
-            <a:r>
-              <a:rPr lang="en-US" dirty="0" smtClean="0"/>
-              <a:t> </a:t>
-            </a:r>
-            <a:r>
-              <a:rPr lang="en-US" dirty="0" err="1" smtClean="0"/>
-              <a:t>Elmazy</a:t>
-            </a:r>
-            <a:endParaRPr lang="en-US" dirty="0" smtClean="0"/>
-          </a:p>
-          <a:p>
-            <a:r>
-              <a:rPr lang="en-US" dirty="0" smtClean="0"/>
+              <a:rPr lang="en-US" dirty="0"/>
+              <a:t>Baian Elmazry</a:t>
+            </a:r>
+          </a:p>
+          <a:p>
+            <a:r>
+              <a:rPr lang="en-US" dirty="0"/>
               <a:t>Courtney Thomassen</a:t>
             </a:r>
           </a:p>
           <a:p>
             <a:r>
-              <a:rPr lang="en-US" dirty="0" smtClean="0"/>
-              <a:t>Joan</a:t>
-            </a:r>
-          </a:p>
-          <a:p>
-            <a:r>
-              <a:rPr lang="en-US" dirty="0" smtClean="0"/>
-              <a:t>Kyle</a:t>
-            </a:r>
-          </a:p>
-          <a:p>
-            <a:r>
-              <a:rPr lang="en-US" dirty="0" smtClean="0"/>
+              <a:rPr lang="en-US" dirty="0"/>
+              <a:t>Joan Henriquez</a:t>
+            </a:r>
+          </a:p>
+          <a:p>
+            <a:r>
+              <a:rPr lang="en-US"/>
+              <a:t>Kyle Turner</a:t>
+            </a:r>
+            <a:endParaRPr lang="en-US" dirty="0"/>
+          </a:p>
+          <a:p>
+            <a:r>
+              <a:rPr lang="en-US" dirty="0"/>
               <a:t>Patrick </a:t>
             </a:r>
             <a:r>
-              <a:rPr lang="en-US" dirty="0" err="1" smtClean="0"/>
+              <a:rPr lang="en-US" dirty="0" err="1"/>
               <a:t>Dorton</a:t>
             </a:r>
-            <a:endParaRPr lang="en-US" dirty="0" smtClean="0"/>
+            <a:endParaRPr lang="en-US" dirty="0"/>
           </a:p>
         </p:txBody>
       </p:sp>
@@ -3949,13 +3945,6 @@
   <p:clrMapOvr>
     <a:masterClrMapping/>
   </p:clrMapOvr>
-  <p:timing>
-    <p:tnLst>
-      <p:par>
-        <p:cTn id="1" dur="indefinite" restart="never" nodeType="tmRoot"/>
-      </p:par>
-    </p:tnLst>
-  </p:timing>
 </p:sld>
 </file>
 
@@ -4062,13 +4051,6 @@
   <p:clrMapOvr>
     <a:masterClrMapping/>
   </p:clrMapOvr>
-  <p:timing>
-    <p:tnLst>
-      <p:par>
-        <p:cTn id="1" dur="indefinite" restart="never" nodeType="tmRoot"/>
-      </p:par>
-    </p:tnLst>
-  </p:timing>
 </p:sld>
 </file>
 
@@ -4105,10 +4087,9 @@
           <a:lstStyle/>
           <a:p>
             <a:r>
-              <a:rPr lang="en-US" dirty="0" smtClean="0"/>
+              <a:rPr lang="en-US" dirty="0"/>
               <a:t>HTI Principles</a:t>
             </a:r>
-            <a:endParaRPr lang="en-US" dirty="0"/>
           </a:p>
         </p:txBody>
       </p:sp>
@@ -4135,76 +4116,76 @@
           <a:lstStyle/>
           <a:p>
             <a:r>
-              <a:rPr lang="en-US" dirty="0" smtClean="0"/>
+              <a:rPr lang="en-US" dirty="0"/>
               <a:t>Consistency</a:t>
             </a:r>
           </a:p>
           <a:p>
             <a:pPr lvl="1"/>
             <a:r>
-              <a:rPr lang="en-US" dirty="0" smtClean="0"/>
+              <a:rPr lang="en-US" dirty="0"/>
               <a:t>User interface remains constant and all actions are displayed in smaller pop ups so user can always see the familiar interface. </a:t>
             </a:r>
           </a:p>
           <a:p>
             <a:r>
-              <a:rPr lang="en-US" dirty="0" smtClean="0"/>
+              <a:rPr lang="en-US" dirty="0"/>
               <a:t>Usability </a:t>
             </a:r>
           </a:p>
           <a:p>
             <a:pPr lvl="1"/>
             <a:r>
-              <a:rPr lang="en-US" dirty="0" smtClean="0"/>
+              <a:rPr lang="en-US" dirty="0"/>
               <a:t>Most of the program does not require any user interaction. When it does, the user is prompted with clear instructions that reduce the risk of confusion.</a:t>
             </a:r>
           </a:p>
           <a:p>
             <a:r>
-              <a:rPr lang="en-US" dirty="0" smtClean="0"/>
+              <a:rPr lang="en-US" dirty="0"/>
               <a:t>Accurate Feedback</a:t>
             </a:r>
           </a:p>
           <a:p>
             <a:pPr lvl="1"/>
             <a:r>
-              <a:rPr lang="en-US" dirty="0" smtClean="0"/>
+              <a:rPr lang="en-US" dirty="0"/>
               <a:t>Responds to user interaction appropriately. </a:t>
             </a:r>
           </a:p>
           <a:p>
             <a:r>
-              <a:rPr lang="en-US" dirty="0" smtClean="0"/>
+              <a:rPr lang="en-US" dirty="0"/>
               <a:t>Efficiency</a:t>
             </a:r>
           </a:p>
           <a:p>
             <a:pPr lvl="1"/>
             <a:r>
-              <a:rPr lang="en-US" dirty="0" smtClean="0"/>
+              <a:rPr lang="en-US" dirty="0"/>
               <a:t>Application takes up no unnecessary space. </a:t>
             </a:r>
           </a:p>
           <a:p>
             <a:r>
-              <a:rPr lang="en-US" dirty="0" smtClean="0"/>
+              <a:rPr lang="en-US" dirty="0"/>
               <a:t>Effective to Use</a:t>
             </a:r>
           </a:p>
           <a:p>
             <a:pPr lvl="1"/>
             <a:r>
-              <a:rPr lang="en-US" dirty="0" smtClean="0"/>
+              <a:rPr lang="en-US" dirty="0"/>
               <a:t>The game methods work properly and will allow the user to play the game with full functionality.</a:t>
             </a:r>
           </a:p>
           <a:p>
             <a:pPr lvl="1"/>
-            <a:endParaRPr lang="en-US" dirty="0" smtClean="0"/>
+            <a:endParaRPr lang="en-US" dirty="0"/>
           </a:p>
           <a:p>
             <a:pPr lvl="1"/>
-            <a:endParaRPr lang="en-US" dirty="0" smtClean="0"/>
+            <a:endParaRPr lang="en-US" dirty="0"/>
           </a:p>
           <a:p>
             <a:pPr lvl="1"/>
@@ -4222,13 +4203,6 @@
   <p:clrMapOvr>
     <a:masterClrMapping/>
   </p:clrMapOvr>
-  <p:timing>
-    <p:tnLst>
-      <p:par>
-        <p:cTn id="1" dur="indefinite" restart="never" nodeType="tmRoot"/>
-      </p:par>
-    </p:tnLst>
-  </p:timing>
 </p:sld>
 </file>
 
@@ -4265,10 +4239,9 @@
           <a:lstStyle/>
           <a:p>
             <a:r>
-              <a:rPr lang="en-US" dirty="0" smtClean="0"/>
+              <a:rPr lang="en-US" dirty="0"/>
               <a:t>HTI Principles</a:t>
             </a:r>
-            <a:endParaRPr lang="en-US" dirty="0"/>
           </a:p>
         </p:txBody>
       </p:sp>
@@ -4288,33 +4261,33 @@
           <a:lstStyle/>
           <a:p>
             <a:r>
-              <a:rPr lang="en-US" dirty="0" smtClean="0"/>
+              <a:rPr lang="en-US" dirty="0"/>
               <a:t>Users are only ever prompted to input the number of players and whether a player answered a question correctly, which helps to reduce the possibility of a user error.</a:t>
             </a:r>
           </a:p>
           <a:p>
             <a:r>
-              <a:rPr lang="en-US" dirty="0" smtClean="0"/>
+              <a:rPr lang="en-US" dirty="0"/>
               <a:t>All of the buttons are recognizable icons that most users will understand. </a:t>
             </a:r>
           </a:p>
           <a:p>
             <a:pPr lvl="1"/>
             <a:r>
-              <a:rPr lang="en-US" dirty="0" smtClean="0"/>
+              <a:rPr lang="en-US" dirty="0"/>
               <a:t>The buttons the user must press to indicate whether or not the current player answered the question accurately are colored green for correct and red for incorrect. This will help users identify the buttons and their meaning easily.</a:t>
             </a:r>
           </a:p>
           <a:p>
             <a:pPr lvl="1"/>
             <a:r>
-              <a:rPr lang="en-US" dirty="0" smtClean="0"/>
+              <a:rPr lang="en-US" dirty="0"/>
               <a:t>There are no unnecessary buttons that could confuse the user.</a:t>
             </a:r>
           </a:p>
           <a:p>
             <a:r>
-              <a:rPr lang="en-US" dirty="0" smtClean="0"/>
+              <a:rPr lang="en-US" dirty="0"/>
               <a:t>Players’ scores are always displayed at the top of the UI.</a:t>
             </a:r>
           </a:p>
@@ -4330,13 +4303,6 @@
   <p:clrMapOvr>
     <a:masterClrMapping/>
   </p:clrMapOvr>
-  <p:timing>
-    <p:tnLst>
-      <p:par>
-        <p:cTn id="1" dur="indefinite" restart="never" nodeType="tmRoot"/>
-      </p:par>
-    </p:tnLst>
-  </p:timing>
 </p:sld>
 </file>
 
@@ -4373,10 +4339,9 @@
           <a:lstStyle/>
           <a:p>
             <a:r>
-              <a:rPr lang="en-US" dirty="0" smtClean="0"/>
+              <a:rPr lang="en-US" dirty="0"/>
               <a:t>Comparison to Physical Game</a:t>
             </a:r>
-            <a:endParaRPr lang="en-US" dirty="0"/>
           </a:p>
         </p:txBody>
       </p:sp>
@@ -4396,19 +4361,19 @@
           <a:lstStyle/>
           <a:p>
             <a:r>
-              <a:rPr lang="en-US" dirty="0" smtClean="0"/>
+              <a:rPr lang="en-US" dirty="0"/>
               <a:t>The current player should not be able to see the solution to the card they are trying to answer. In the physical game, the answer is located on the card itself. We had to store the answers separately so that all players could look at the screen at all times.</a:t>
             </a:r>
           </a:p>
           <a:p>
             <a:r>
-              <a:rPr lang="en-US" dirty="0" smtClean="0"/>
+              <a:rPr lang="en-US" dirty="0"/>
               <a:t>Our timer starts as soon as the card shows up, which does not allow the player to spend any time to be ready. We tried to take this into account and give the players more time than they would get in the physical game to answer.</a:t>
             </a:r>
           </a:p>
           <a:p>
             <a:r>
-              <a:rPr lang="en-US" dirty="0" smtClean="0"/>
+              <a:rPr lang="en-US" dirty="0"/>
               <a:t>We were unable to represent the Play-Doh that comes with the physical game digitally, so the cards that require it have been omitted.</a:t>
             </a:r>
           </a:p>
@@ -4427,13 +4392,6 @@
   <p:clrMapOvr>
     <a:masterClrMapping/>
   </p:clrMapOvr>
-  <p:timing>
-    <p:tnLst>
-      <p:par>
-        <p:cTn id="1" dur="indefinite" restart="never" nodeType="tmRoot"/>
-      </p:par>
-    </p:tnLst>
-  </p:timing>
 </p:sld>
 </file>
 
@@ -4470,10 +4428,9 @@
           <a:lstStyle/>
           <a:p>
             <a:r>
-              <a:rPr lang="en-US" dirty="0" smtClean="0"/>
+              <a:rPr lang="en-US" dirty="0"/>
               <a:t>Comparison to Physical Game</a:t>
             </a:r>
-            <a:endParaRPr lang="en-US" dirty="0"/>
           </a:p>
         </p:txBody>
       </p:sp>
@@ -4559,12 +4516,12 @@
           <a:lstStyle/>
           <a:p>
             <a:r>
-              <a:rPr lang="en-US" dirty="0" smtClean="0"/>
+              <a:rPr lang="en-US" dirty="0"/>
               <a:t>Physical Game:</a:t>
             </a:r>
           </a:p>
           <a:p>
-            <a:endParaRPr lang="en-US" dirty="0" smtClean="0"/>
+            <a:endParaRPr lang="en-US" dirty="0"/>
           </a:p>
           <a:p>
             <a:pPr marL="342900" indent="-342900">
@@ -4572,7 +4529,7 @@
               <a:buChar char="§"/>
             </a:pPr>
             <a:r>
-              <a:rPr lang="en-US" dirty="0" smtClean="0"/>
+              <a:rPr lang="en-US" dirty="0"/>
               <a:t>Cards</a:t>
             </a:r>
           </a:p>
@@ -4582,7 +4539,7 @@
               <a:buChar char="§"/>
             </a:pPr>
             <a:r>
-              <a:rPr lang="en-US" dirty="0" smtClean="0"/>
+              <a:rPr lang="en-US" dirty="0"/>
               <a:t>Timer</a:t>
             </a:r>
           </a:p>
@@ -4592,7 +4549,7 @@
               <a:buChar char="§"/>
             </a:pPr>
             <a:r>
-              <a:rPr lang="en-US" dirty="0" smtClean="0"/>
+              <a:rPr lang="en-US" dirty="0"/>
               <a:t>Drawing Pad</a:t>
             </a:r>
           </a:p>
@@ -4602,7 +4559,7 @@
               <a:buChar char="§"/>
             </a:pPr>
             <a:r>
-              <a:rPr lang="en-US" dirty="0" smtClean="0"/>
+              <a:rPr lang="en-US" dirty="0"/>
               <a:t>Player Pieces</a:t>
             </a:r>
           </a:p>
@@ -4612,7 +4569,7 @@
               <a:buChar char="§"/>
             </a:pPr>
             <a:r>
-              <a:rPr lang="en-US" dirty="0" smtClean="0"/>
+              <a:rPr lang="en-US" dirty="0"/>
               <a:t>Board</a:t>
             </a:r>
           </a:p>
@@ -4622,7 +4579,7 @@
               <a:buChar char="§"/>
             </a:pPr>
             <a:r>
-              <a:rPr lang="en-US" dirty="0" smtClean="0"/>
+              <a:rPr lang="en-US" dirty="0"/>
               <a:t>Colored Dice</a:t>
             </a:r>
           </a:p>
@@ -4632,10 +4589,9 @@
               <a:buChar char="§"/>
             </a:pPr>
             <a:r>
-              <a:rPr lang="en-US" dirty="0" smtClean="0"/>
+              <a:rPr lang="en-US" dirty="0"/>
               <a:t>Play-Doh</a:t>
             </a:r>
-            <a:endParaRPr lang="en-US" dirty="0"/>
           </a:p>
           <a:p>
             <a:endParaRPr lang="en-US" sz="2000" dirty="0"/>
@@ -4666,7 +4622,7 @@
           <a:p>
             <a:pPr algn="ctr"/>
             <a:r>
-              <a:rPr lang="en-US" dirty="0" smtClean="0"/>
+              <a:rPr lang="en-US" dirty="0"/>
               <a:t>Digital Game</a:t>
             </a:r>
           </a:p>
@@ -4680,7 +4636,7 @@
               <a:buChar char="§"/>
             </a:pPr>
             <a:r>
-              <a:rPr lang="en-US" dirty="0" smtClean="0"/>
+              <a:rPr lang="en-US" dirty="0"/>
               <a:t>Cards</a:t>
             </a:r>
           </a:p>
@@ -4690,7 +4646,7 @@
               <a:buChar char="§"/>
             </a:pPr>
             <a:r>
-              <a:rPr lang="en-US" dirty="0" smtClean="0"/>
+              <a:rPr lang="en-US" dirty="0"/>
               <a:t>Timed card windows</a:t>
             </a:r>
           </a:p>
@@ -4700,7 +4656,7 @@
               <a:buChar char="§"/>
             </a:pPr>
             <a:r>
-              <a:rPr lang="en-US" dirty="0" smtClean="0"/>
+              <a:rPr lang="en-US" dirty="0"/>
               <a:t>Paint window for drawing</a:t>
             </a:r>
           </a:p>
@@ -4710,7 +4666,7 @@
               <a:buChar char="§"/>
             </a:pPr>
             <a:r>
-              <a:rPr lang="en-US" dirty="0" smtClean="0"/>
+              <a:rPr lang="en-US" dirty="0"/>
               <a:t>Player Pieces</a:t>
             </a:r>
           </a:p>
@@ -4720,7 +4676,7 @@
               <a:buChar char="§"/>
             </a:pPr>
             <a:r>
-              <a:rPr lang="en-US" dirty="0" smtClean="0"/>
+              <a:rPr lang="en-US" dirty="0"/>
               <a:t>Board</a:t>
             </a:r>
           </a:p>
@@ -4730,7 +4686,7 @@
               <a:buChar char="§"/>
             </a:pPr>
             <a:r>
-              <a:rPr lang="en-US" dirty="0" smtClean="0"/>
+              <a:rPr lang="en-US" dirty="0"/>
               <a:t>Colored Dice</a:t>
             </a:r>
           </a:p>
@@ -4739,7 +4695,7 @@
               <a:buFont typeface="Wingdings" panose="05000000000000000000" pitchFamily="2" charset="2"/>
               <a:buChar char="§"/>
             </a:pPr>
-            <a:endParaRPr lang="en-US" dirty="0" smtClean="0"/>
+            <a:endParaRPr lang="en-US" dirty="0"/>
           </a:p>
           <a:p>
             <a:pPr marL="285750" indent="-285750">
@@ -4760,13 +4716,6 @@
   <p:clrMapOvr>
     <a:masterClrMapping/>
   </p:clrMapOvr>
-  <p:timing>
-    <p:tnLst>
-      <p:par>
-        <p:cTn id="1" dur="indefinite" restart="never" nodeType="tmRoot"/>
-      </p:par>
-    </p:tnLst>
-  </p:timing>
 </p:sld>
 </file>
 
@@ -4804,13 +4753,8 @@
           <a:p>
             <a:r>
               <a:rPr lang="en-US" dirty="0"/>
-              <a:t>T</a:t>
-            </a:r>
-            <a:r>
-              <a:rPr lang="en-US" dirty="0" smtClean="0"/>
-              <a:t>eam</a:t>
-            </a:r>
-            <a:endParaRPr lang="en-US" dirty="0"/>
+              <a:t>Team</a:t>
+            </a:r>
           </a:p>
         </p:txBody>
       </p:sp>
@@ -4830,35 +4774,35 @@
           <a:lstStyle/>
           <a:p>
             <a:r>
-              <a:rPr lang="en-US" dirty="0" smtClean="0"/>
+              <a:rPr lang="en-US" dirty="0"/>
               <a:t>Kyle – Paint GUI, dice rolling animation, select a card from the deck, video presentation.</a:t>
             </a:r>
           </a:p>
           <a:p>
             <a:r>
-              <a:rPr lang="en-US" dirty="0" smtClean="0"/>
+              <a:rPr lang="en-US" dirty="0"/>
               <a:t>Joan – Generate example cards and store them in a deck, results traceability matrix.</a:t>
             </a:r>
           </a:p>
           <a:p>
             <a:r>
-              <a:rPr lang="en-US" dirty="0" smtClean="0"/>
+              <a:rPr lang="en-US" dirty="0"/>
               <a:t>Patrick – Create a timer, track the score, turn order, and game piece for each player. Assisted with card class. Project management. </a:t>
             </a:r>
           </a:p>
           <a:p>
             <a:r>
-              <a:rPr lang="en-US" dirty="0" smtClean="0"/>
+              <a:rPr lang="en-US" dirty="0"/>
               <a:t>Courtney – Display the card as it is drawn, PowerPoint development.</a:t>
             </a:r>
           </a:p>
           <a:p>
             <a:r>
-              <a:rPr lang="en-US" dirty="0" err="1" smtClean="0"/>
+              <a:rPr lang="en-US" dirty="0" err="1"/>
               <a:t>Baian</a:t>
             </a:r>
             <a:r>
-              <a:rPr lang="en-US" dirty="0" smtClean="0"/>
+              <a:rPr lang="en-US" dirty="0"/>
               <a:t> – Game board GUI, map the locations of each player’s game piece to the game board.</a:t>
             </a:r>
           </a:p>
@@ -4877,13 +4821,6 @@
   <p:clrMapOvr>
     <a:masterClrMapping/>
   </p:clrMapOvr>
-  <p:timing>
-    <p:tnLst>
-      <p:par>
-        <p:cTn id="1" dur="indefinite" restart="never" nodeType="tmRoot"/>
-      </p:par>
-    </p:tnLst>
-  </p:timing>
 </p:sld>
 </file>
 
@@ -4920,10 +4857,9 @@
           <a:lstStyle/>
           <a:p>
             <a:r>
-              <a:rPr lang="en-US" dirty="0" smtClean="0"/>
+              <a:rPr lang="en-US" dirty="0"/>
               <a:t>Functional Requirements</a:t>
             </a:r>
-            <a:endParaRPr lang="en-US" dirty="0"/>
           </a:p>
         </p:txBody>
       </p:sp>
@@ -4996,13 +4932,6 @@
   <p:clrMapOvr>
     <a:masterClrMapping/>
   </p:clrMapOvr>
-  <p:timing>
-    <p:tnLst>
-      <p:par>
-        <p:cTn id="1" dur="indefinite" restart="never" nodeType="tmRoot"/>
-      </p:par>
-    </p:tnLst>
-  </p:timing>
 </p:sld>
 </file>
 
@@ -5111,13 +5040,6 @@
   <p:clrMapOvr>
     <a:masterClrMapping/>
   </p:clrMapOvr>
-  <p:timing>
-    <p:tnLst>
-      <p:par>
-        <p:cTn id="1" dur="indefinite" restart="never" nodeType="tmRoot"/>
-      </p:par>
-    </p:tnLst>
-  </p:timing>
 </p:sld>
 </file>
 
@@ -5196,13 +5118,6 @@
   <p:clrMapOvr>
     <a:masterClrMapping/>
   </p:clrMapOvr>
-  <p:timing>
-    <p:tnLst>
-      <p:par>
-        <p:cTn id="1" dur="indefinite" restart="never" nodeType="tmRoot"/>
-      </p:par>
-    </p:tnLst>
-  </p:timing>
 </p:sld>
 </file>
 
@@ -5239,10 +5154,9 @@
           <a:lstStyle/>
           <a:p>
             <a:r>
-              <a:rPr lang="en-US" dirty="0" smtClean="0"/>
+              <a:rPr lang="en-US" dirty="0"/>
               <a:t>UI Prototype</a:t>
             </a:r>
-            <a:endParaRPr lang="en-US" dirty="0"/>
           </a:p>
         </p:txBody>
       </p:sp>
@@ -5264,62 +5178,62 @@
           <a:lstStyle/>
           <a:p>
             <a:r>
-              <a:rPr lang="en-US" dirty="0" smtClean="0"/>
+              <a:rPr lang="en-US" dirty="0"/>
               <a:t>We implemented the core features for the UI prototype so that all we would have to do in order to expand it into a fully functional game would be to scale up the features we already have. </a:t>
             </a:r>
           </a:p>
           <a:p>
             <a:r>
-              <a:rPr lang="en-US" dirty="0" smtClean="0"/>
+              <a:rPr lang="en-US" dirty="0"/>
               <a:t>Functional requirements:</a:t>
             </a:r>
           </a:p>
           <a:p>
             <a:pPr lvl="1"/>
             <a:r>
-              <a:rPr lang="en-US" dirty="0" smtClean="0"/>
+              <a:rPr lang="en-US" dirty="0"/>
               <a:t>Create a new game</a:t>
             </a:r>
           </a:p>
           <a:p>
             <a:pPr lvl="1"/>
             <a:r>
-              <a:rPr lang="en-US" dirty="0" smtClean="0"/>
+              <a:rPr lang="en-US" dirty="0"/>
               <a:t>Show the player’s piece on the board</a:t>
             </a:r>
           </a:p>
           <a:p>
             <a:pPr lvl="1"/>
             <a:r>
-              <a:rPr lang="en-US" dirty="0" smtClean="0"/>
+              <a:rPr lang="en-US" dirty="0"/>
               <a:t>Roll the dice</a:t>
             </a:r>
           </a:p>
           <a:p>
             <a:pPr lvl="1"/>
             <a:r>
-              <a:rPr lang="en-US" dirty="0" smtClean="0"/>
+              <a:rPr lang="en-US" dirty="0"/>
               <a:t>Set a timer for each turn</a:t>
             </a:r>
           </a:p>
           <a:p>
             <a:pPr lvl="1"/>
             <a:r>
-              <a:rPr lang="en-US" dirty="0" smtClean="0"/>
+              <a:rPr lang="en-US" dirty="0"/>
               <a:t>Select a card of any color</a:t>
             </a:r>
           </a:p>
           <a:p>
             <a:pPr lvl="1"/>
             <a:r>
-              <a:rPr lang="en-US" dirty="0" smtClean="0"/>
+              <a:rPr lang="en-US" dirty="0"/>
               <a:t>Track the score of each player</a:t>
             </a:r>
           </a:p>
           <a:p>
             <a:pPr lvl="1"/>
             <a:r>
-              <a:rPr lang="en-US" dirty="0" smtClean="0"/>
+              <a:rPr lang="en-US" dirty="0"/>
               <a:t>Free draw frame</a:t>
             </a:r>
           </a:p>
@@ -5335,13 +5249,6 @@
   <p:clrMapOvr>
     <a:masterClrMapping/>
   </p:clrMapOvr>
-  <p:timing>
-    <p:tnLst>
-      <p:par>
-        <p:cTn id="1" dur="indefinite" restart="never" nodeType="tmRoot"/>
-      </p:par>
-    </p:tnLst>
-  </p:timing>
 </p:sld>
 </file>
 
@@ -5420,13 +5327,6 @@
   <p:clrMapOvr>
     <a:masterClrMapping/>
   </p:clrMapOvr>
-  <p:timing>
-    <p:tnLst>
-      <p:par>
-        <p:cTn id="1" dur="indefinite" restart="never" nodeType="tmRoot"/>
-      </p:par>
-    </p:tnLst>
-  </p:timing>
 </p:sld>
 </file>
 
@@ -5535,13 +5435,6 @@
   <p:clrMapOvr>
     <a:masterClrMapping/>
   </p:clrMapOvr>
-  <p:timing>
-    <p:tnLst>
-      <p:par>
-        <p:cTn id="1" dur="indefinite" restart="never" nodeType="tmRoot"/>
-      </p:par>
-    </p:tnLst>
-  </p:timing>
 </p:sld>
 </file>
 
@@ -5620,13 +5513,6 @@
   <p:clrMapOvr>
     <a:masterClrMapping/>
   </p:clrMapOvr>
-  <p:timing>
-    <p:tnLst>
-      <p:par>
-        <p:cTn id="1" dur="indefinite" restart="never" nodeType="tmRoot"/>
-      </p:par>
-    </p:tnLst>
-  </p:timing>
 </p:sld>
 </file>
 
